--- a/Docs/[자유시간쿠키맛] WK_메인 로비 관련 기능.pptx
+++ b/Docs/[자유시간쿠키맛] WK_메인 로비 관련 기능.pptx
@@ -8894,7 +8894,7 @@
                 <a:ea typeface="나눔스퀘어_ac Light" panose="020B0600000101010101" pitchFamily="50" charset="-127"/>
                 <a:cs typeface="+mn-cs"/>
               </a:rPr>
-              <a:t>적용 방식</a:t>
+              <a:t>주요 특징</a:t>
             </a:r>
             <a:br>
               <a:rPr lang="en-US" altLang="ko-KR" sz="1050" b="1" dirty="0">
@@ -11572,7 +11572,7 @@
                 <a:ea typeface="나눔스퀘어_ac Light" panose="020B0600000101010101" pitchFamily="50" charset="-127"/>
                 <a:cs typeface="+mn-cs"/>
               </a:rPr>
-              <a:t>적용 방식</a:t>
+              <a:t>주요 특징</a:t>
             </a:r>
             <a:br>
               <a:rPr lang="en-US" altLang="ko-KR" sz="1050" b="1" dirty="0">
